--- a/doc/day8/A_K_day8.pptx
+++ b/doc/day8/A_K_day8.pptx
@@ -199,7 +199,7 @@
           <a:p>
             <a:fld id="{8E0652D8-1BD6-41E3-BB63-125AB0393C39}" type="datetimeFigureOut">
               <a:rPr kumimoji="1" lang="ja-JP" altLang="en-US" smtClean="0"/>
-              <a:t>2018/5/31</a:t>
+              <a:t>2018/6/7</a:t>
             </a:fld>
             <a:endParaRPr kumimoji="1" lang="ja-JP" altLang="en-US"/>
           </a:p>
@@ -1556,7 +1556,7 @@
             <a:fld id="{B61BEF0D-F0BB-DE4B-95CE-6DB70DBA9567}" type="datetimeFigureOut">
               <a:rPr lang="en-US" dirty="0"/>
               <a:pPr/>
-              <a:t>5/31/2018</a:t>
+              <a:t>6/7/2018</a:t>
             </a:fld>
             <a:endParaRPr lang="en-US" dirty="0"/>
           </a:p>
@@ -1804,7 +1804,7 @@
             <a:fld id="{B61BEF0D-F0BB-DE4B-95CE-6DB70DBA9567}" type="datetimeFigureOut">
               <a:rPr lang="en-US" dirty="0"/>
               <a:pPr/>
-              <a:t>5/31/2018</a:t>
+              <a:t>6/7/2018</a:t>
             </a:fld>
             <a:endParaRPr lang="en-US" dirty="0"/>
           </a:p>
@@ -2115,7 +2115,7 @@
             <a:fld id="{B61BEF0D-F0BB-DE4B-95CE-6DB70DBA9567}" type="datetimeFigureOut">
               <a:rPr lang="en-US" dirty="0"/>
               <a:pPr/>
-              <a:t>5/31/2018</a:t>
+              <a:t>6/7/2018</a:t>
             </a:fld>
             <a:endParaRPr lang="en-US" dirty="0"/>
           </a:p>
@@ -2445,7 +2445,7 @@
             <a:fld id="{B61BEF0D-F0BB-DE4B-95CE-6DB70DBA9567}" type="datetimeFigureOut">
               <a:rPr lang="en-US" dirty="0"/>
               <a:pPr/>
-              <a:t>5/31/2018</a:t>
+              <a:t>6/7/2018</a:t>
             </a:fld>
             <a:endParaRPr lang="en-US" dirty="0"/>
           </a:p>
@@ -2756,7 +2756,7 @@
             <a:fld id="{B61BEF0D-F0BB-DE4B-95CE-6DB70DBA9567}" type="datetimeFigureOut">
               <a:rPr lang="en-US" dirty="0"/>
               <a:pPr/>
-              <a:t>5/31/2018</a:t>
+              <a:t>6/7/2018</a:t>
             </a:fld>
             <a:endParaRPr lang="en-US" dirty="0"/>
           </a:p>
@@ -3146,7 +3146,7 @@
             <a:fld id="{B61BEF0D-F0BB-DE4B-95CE-6DB70DBA9567}" type="datetimeFigureOut">
               <a:rPr lang="en-US" dirty="0"/>
               <a:pPr/>
-              <a:t>5/31/2018</a:t>
+              <a:t>6/7/2018</a:t>
             </a:fld>
             <a:endParaRPr lang="en-US" dirty="0"/>
           </a:p>
@@ -3344,7 +3344,7 @@
           <a:p>
             <a:fld id="{55C6B4A9-1611-4792-9094-5F34BCA07E0B}" type="datetimeFigureOut">
               <a:rPr lang="en-US" dirty="0"/>
-              <a:t>5/31/2018</a:t>
+              <a:t>6/7/2018</a:t>
             </a:fld>
             <a:endParaRPr lang="en-US" dirty="0"/>
           </a:p>
@@ -3552,7 +3552,7 @@
             <a:fld id="{B61BEF0D-F0BB-DE4B-95CE-6DB70DBA9567}" type="datetimeFigureOut">
               <a:rPr lang="en-US" dirty="0"/>
               <a:pPr/>
-              <a:t>5/31/2018</a:t>
+              <a:t>6/7/2018</a:t>
             </a:fld>
             <a:endParaRPr lang="en-US" dirty="0"/>
           </a:p>
@@ -3750,7 +3750,7 @@
           <a:p>
             <a:fld id="{42A54C80-263E-416B-A8E0-580EDEADCBDC}" type="datetimeFigureOut">
               <a:rPr lang="en-US" dirty="0"/>
-              <a:t>5/31/2018</a:t>
+              <a:t>6/7/2018</a:t>
             </a:fld>
             <a:endParaRPr lang="en-US" dirty="0"/>
           </a:p>
@@ -3993,7 +3993,7 @@
             <a:fld id="{B61BEF0D-F0BB-DE4B-95CE-6DB70DBA9567}" type="datetimeFigureOut">
               <a:rPr lang="en-US" dirty="0"/>
               <a:pPr/>
-              <a:t>5/31/2018</a:t>
+              <a:t>6/7/2018</a:t>
             </a:fld>
             <a:endParaRPr lang="en-US" dirty="0"/>
           </a:p>
@@ -4285,7 +4285,7 @@
           <a:p>
             <a:fld id="{42A54C80-263E-416B-A8E0-580EDEADCBDC}" type="datetimeFigureOut">
               <a:rPr lang="en-US" dirty="0"/>
-              <a:t>5/31/2018</a:t>
+              <a:t>6/7/2018</a:t>
             </a:fld>
             <a:endParaRPr lang="en-US" dirty="0"/>
           </a:p>
@@ -4719,7 +4719,7 @@
             <a:fld id="{B61BEF0D-F0BB-DE4B-95CE-6DB70DBA9567}" type="datetimeFigureOut">
               <a:rPr lang="en-US" dirty="0"/>
               <a:pPr/>
-              <a:t>5/31/2018</a:t>
+              <a:t>6/7/2018</a:t>
             </a:fld>
             <a:endParaRPr lang="en-US" dirty="0"/>
           </a:p>
@@ -4839,7 +4839,7 @@
             <a:fld id="{B61BEF0D-F0BB-DE4B-95CE-6DB70DBA9567}" type="datetimeFigureOut">
               <a:rPr lang="en-US" dirty="0"/>
               <a:pPr/>
-              <a:t>5/31/2018</a:t>
+              <a:t>6/7/2018</a:t>
             </a:fld>
             <a:endParaRPr lang="en-US" dirty="0"/>
           </a:p>
@@ -4931,7 +4931,7 @@
             <a:fld id="{B61BEF0D-F0BB-DE4B-95CE-6DB70DBA9567}" type="datetimeFigureOut">
               <a:rPr lang="en-US" dirty="0"/>
               <a:pPr/>
-              <a:t>5/31/2018</a:t>
+              <a:t>6/7/2018</a:t>
             </a:fld>
             <a:endParaRPr lang="en-US" dirty="0"/>
           </a:p>
@@ -5214,7 +5214,7 @@
           <a:p>
             <a:fld id="{42A54C80-263E-416B-A8E0-580EDEADCBDC}" type="datetimeFigureOut">
               <a:rPr lang="en-US" dirty="0"/>
-              <a:t>5/31/2018</a:t>
+              <a:t>6/7/2018</a:t>
             </a:fld>
             <a:endParaRPr lang="en-US" dirty="0"/>
           </a:p>
@@ -5516,7 +5516,7 @@
             <a:fld id="{B61BEF0D-F0BB-DE4B-95CE-6DB70DBA9567}" type="datetimeFigureOut">
               <a:rPr lang="en-US" dirty="0"/>
               <a:pPr/>
-              <a:t>5/31/2018</a:t>
+              <a:t>6/7/2018</a:t>
             </a:fld>
             <a:endParaRPr lang="en-US" dirty="0"/>
           </a:p>
@@ -6246,7 +6246,7 @@
             <a:fld id="{B61BEF0D-F0BB-DE4B-95CE-6DB70DBA9567}" type="datetimeFigureOut">
               <a:rPr lang="en-US" dirty="0"/>
               <a:pPr/>
-              <a:t>5/31/2018</a:t>
+              <a:t>6/7/2018</a:t>
             </a:fld>
             <a:endParaRPr lang="en-US" dirty="0"/>
           </a:p>
@@ -6824,7 +6824,6 @@
               <a:rPr kumimoji="1" lang="en-US" altLang="ja-JP" dirty="0" smtClean="0"/>
               <a:t>A K</a:t>
             </a:r>
-            <a:endParaRPr kumimoji="1" lang="en-US" altLang="ja-JP" dirty="0" smtClean="0"/>
           </a:p>
         </p:txBody>
       </p:sp>
@@ -7008,6 +7007,674 @@
           <a:chExt cx="0" cy="0"/>
         </a:xfrm>
       </p:grpSpPr>
+      <p:graphicFrame>
+        <p:nvGraphicFramePr>
+          <p:cNvPr id="19" name="表 18"/>
+          <p:cNvGraphicFramePr>
+            <a:graphicFrameLocks noGrp="1"/>
+          </p:cNvGraphicFramePr>
+          <p:nvPr>
+            <p:extLst>
+              <p:ext uri="{D42A27DB-BD31-4B8C-83A1-F6EECF244321}">
+                <p14:modId xmlns:p14="http://schemas.microsoft.com/office/powerpoint/2010/main" val="303569911"/>
+              </p:ext>
+            </p:extLst>
+          </p:nvPr>
+        </p:nvGraphicFramePr>
+        <p:xfrm>
+          <a:off x="9046695" y="1348377"/>
+          <a:ext cx="1846898" cy="2225040"/>
+        </p:xfrm>
+        <a:graphic>
+          <a:graphicData uri="http://schemas.openxmlformats.org/drawingml/2006/table">
+            <a:tbl>
+              <a:tblPr firstRow="1" bandRow="1">
+                <a:tableStyleId>{5C22544A-7EE6-4342-B048-85BDC9FD1C3A}</a:tableStyleId>
+              </a:tblPr>
+              <a:tblGrid>
+                <a:gridCol w="868680"/>
+                <a:gridCol w="978218"/>
+              </a:tblGrid>
+              <a:tr h="370840">
+                <a:tc>
+                  <a:txBody>
+                    <a:bodyPr/>
+                    <a:lstStyle/>
+                    <a:p>
+                      <a:r>
+                        <a:rPr kumimoji="1" lang="en-US" altLang="ja-JP" b="0" dirty="0" smtClean="0">
+                          <a:solidFill>
+                            <a:schemeClr val="tx1"/>
+                          </a:solidFill>
+                        </a:rPr>
+                        <a:t>User1</a:t>
+                      </a:r>
+                      <a:endParaRPr kumimoji="1" lang="ja-JP" altLang="en-US" b="0" dirty="0">
+                        <a:solidFill>
+                          <a:schemeClr val="tx1"/>
+                        </a:solidFill>
+                      </a:endParaRPr>
+                    </a:p>
+                  </a:txBody>
+                  <a:tcPr>
+                    <a:lnL w="12700" cap="flat" cmpd="sng" algn="ctr">
+                      <a:solidFill>
+                        <a:schemeClr val="tx1"/>
+                      </a:solidFill>
+                      <a:prstDash val="solid"/>
+                      <a:round/>
+                      <a:headEnd type="none" w="med" len="med"/>
+                      <a:tailEnd type="none" w="med" len="med"/>
+                    </a:lnL>
+                    <a:lnR w="12700" cmpd="sng">
+                      <a:noFill/>
+                    </a:lnR>
+                    <a:lnT w="12700" cap="flat" cmpd="sng" algn="ctr">
+                      <a:solidFill>
+                        <a:schemeClr val="tx1"/>
+                      </a:solidFill>
+                      <a:prstDash val="solid"/>
+                      <a:round/>
+                      <a:headEnd type="none" w="med" len="med"/>
+                      <a:tailEnd type="none" w="med" len="med"/>
+                    </a:lnT>
+                    <a:lnB w="38100" cmpd="sng">
+                      <a:noFill/>
+                    </a:lnB>
+                    <a:lnTlToBr w="12700" cmpd="sng">
+                      <a:noFill/>
+                      <a:prstDash val="solid"/>
+                    </a:lnTlToBr>
+                    <a:lnBlToTr w="12700" cmpd="sng">
+                      <a:noFill/>
+                      <a:prstDash val="solid"/>
+                    </a:lnBlToTr>
+                    <a:solidFill>
+                      <a:schemeClr val="bg1"/>
+                    </a:solidFill>
+                  </a:tcPr>
+                </a:tc>
+                <a:tc>
+                  <a:txBody>
+                    <a:bodyPr/>
+                    <a:lstStyle/>
+                    <a:p>
+                      <a:r>
+                        <a:rPr kumimoji="1" lang="en-US" altLang="ja-JP" b="0" dirty="0" smtClean="0">
+                          <a:solidFill>
+                            <a:schemeClr val="tx1"/>
+                          </a:solidFill>
+                        </a:rPr>
+                        <a:t>Room1</a:t>
+                      </a:r>
+                      <a:endParaRPr kumimoji="1" lang="ja-JP" altLang="en-US" b="0" dirty="0">
+                        <a:solidFill>
+                          <a:schemeClr val="tx1"/>
+                        </a:solidFill>
+                      </a:endParaRPr>
+                    </a:p>
+                  </a:txBody>
+                  <a:tcPr>
+                    <a:lnL w="12700" cmpd="sng">
+                      <a:noFill/>
+                    </a:lnL>
+                    <a:lnR w="12700" cap="flat" cmpd="sng" algn="ctr">
+                      <a:solidFill>
+                        <a:schemeClr val="tx1"/>
+                      </a:solidFill>
+                      <a:prstDash val="solid"/>
+                      <a:round/>
+                      <a:headEnd type="none" w="med" len="med"/>
+                      <a:tailEnd type="none" w="med" len="med"/>
+                    </a:lnR>
+                    <a:lnT w="12700" cap="flat" cmpd="sng" algn="ctr">
+                      <a:solidFill>
+                        <a:schemeClr val="tx1"/>
+                      </a:solidFill>
+                      <a:prstDash val="solid"/>
+                      <a:round/>
+                      <a:headEnd type="none" w="med" len="med"/>
+                      <a:tailEnd type="none" w="med" len="med"/>
+                    </a:lnT>
+                    <a:lnB w="38100" cmpd="sng">
+                      <a:noFill/>
+                    </a:lnB>
+                    <a:lnTlToBr w="12700" cmpd="sng">
+                      <a:noFill/>
+                      <a:prstDash val="solid"/>
+                    </a:lnTlToBr>
+                    <a:lnBlToTr w="12700" cmpd="sng">
+                      <a:noFill/>
+                      <a:prstDash val="solid"/>
+                    </a:lnBlToTr>
+                    <a:solidFill>
+                      <a:schemeClr val="bg1"/>
+                    </a:solidFill>
+                  </a:tcPr>
+                </a:tc>
+              </a:tr>
+              <a:tr h="370840">
+                <a:tc>
+                  <a:txBody>
+                    <a:bodyPr/>
+                    <a:lstStyle/>
+                    <a:p>
+                      <a:endParaRPr kumimoji="1" lang="ja-JP" altLang="en-US" dirty="0">
+                        <a:solidFill>
+                          <a:schemeClr val="tx1"/>
+                        </a:solidFill>
+                      </a:endParaRPr>
+                    </a:p>
+                  </a:txBody>
+                  <a:tcPr>
+                    <a:lnL w="12700" cap="flat" cmpd="sng" algn="ctr">
+                      <a:solidFill>
+                        <a:schemeClr val="tx1"/>
+                      </a:solidFill>
+                      <a:prstDash val="solid"/>
+                      <a:round/>
+                      <a:headEnd type="none" w="med" len="med"/>
+                      <a:tailEnd type="none" w="med" len="med"/>
+                    </a:lnL>
+                    <a:lnR w="12700" cmpd="sng">
+                      <a:noFill/>
+                    </a:lnR>
+                    <a:lnT w="38100" cmpd="sng">
+                      <a:noFill/>
+                    </a:lnT>
+                    <a:lnB w="12700" cmpd="sng">
+                      <a:noFill/>
+                    </a:lnB>
+                    <a:lnTlToBr w="12700" cmpd="sng">
+                      <a:noFill/>
+                      <a:prstDash val="solid"/>
+                    </a:lnTlToBr>
+                    <a:lnBlToTr w="12700" cmpd="sng">
+                      <a:noFill/>
+                      <a:prstDash val="solid"/>
+                    </a:lnBlToTr>
+                    <a:solidFill>
+                      <a:schemeClr val="bg1"/>
+                    </a:solidFill>
+                  </a:tcPr>
+                </a:tc>
+                <a:tc>
+                  <a:txBody>
+                    <a:bodyPr/>
+                    <a:lstStyle/>
+                    <a:p>
+                      <a:r>
+                        <a:rPr kumimoji="1" lang="en-US" altLang="ja-JP" dirty="0" smtClean="0">
+                          <a:solidFill>
+                            <a:schemeClr val="tx1"/>
+                          </a:solidFill>
+                        </a:rPr>
+                        <a:t>Room2</a:t>
+                      </a:r>
+                      <a:endParaRPr kumimoji="1" lang="ja-JP" altLang="en-US" dirty="0">
+                        <a:solidFill>
+                          <a:schemeClr val="tx1"/>
+                        </a:solidFill>
+                      </a:endParaRPr>
+                    </a:p>
+                  </a:txBody>
+                  <a:tcPr>
+                    <a:lnL w="12700" cmpd="sng">
+                      <a:noFill/>
+                    </a:lnL>
+                    <a:lnR w="12700" cap="flat" cmpd="sng" algn="ctr">
+                      <a:solidFill>
+                        <a:schemeClr val="tx1"/>
+                      </a:solidFill>
+                      <a:prstDash val="solid"/>
+                      <a:round/>
+                      <a:headEnd type="none" w="med" len="med"/>
+                      <a:tailEnd type="none" w="med" len="med"/>
+                    </a:lnR>
+                    <a:lnT w="38100" cmpd="sng">
+                      <a:noFill/>
+                    </a:lnT>
+                    <a:lnB w="12700" cmpd="sng">
+                      <a:noFill/>
+                    </a:lnB>
+                    <a:lnTlToBr w="12700" cmpd="sng">
+                      <a:noFill/>
+                      <a:prstDash val="solid"/>
+                    </a:lnTlToBr>
+                    <a:lnBlToTr w="12700" cmpd="sng">
+                      <a:noFill/>
+                      <a:prstDash val="solid"/>
+                    </a:lnBlToTr>
+                    <a:solidFill>
+                      <a:schemeClr val="bg1"/>
+                    </a:solidFill>
+                  </a:tcPr>
+                </a:tc>
+              </a:tr>
+              <a:tr h="370840">
+                <a:tc>
+                  <a:txBody>
+                    <a:bodyPr/>
+                    <a:lstStyle/>
+                    <a:p>
+                      <a:r>
+                        <a:rPr kumimoji="1" lang="en-US" altLang="ja-JP" dirty="0" smtClean="0">
+                          <a:solidFill>
+                            <a:schemeClr val="tx1"/>
+                          </a:solidFill>
+                        </a:rPr>
+                        <a:t>User2</a:t>
+                      </a:r>
+                      <a:endParaRPr kumimoji="1" lang="ja-JP" altLang="en-US" dirty="0">
+                        <a:solidFill>
+                          <a:schemeClr val="tx1"/>
+                        </a:solidFill>
+                      </a:endParaRPr>
+                    </a:p>
+                  </a:txBody>
+                  <a:tcPr>
+                    <a:lnL w="12700" cap="flat" cmpd="sng" algn="ctr">
+                      <a:solidFill>
+                        <a:schemeClr val="tx1"/>
+                      </a:solidFill>
+                      <a:prstDash val="solid"/>
+                      <a:round/>
+                      <a:headEnd type="none" w="med" len="med"/>
+                      <a:tailEnd type="none" w="med" len="med"/>
+                    </a:lnL>
+                    <a:lnR w="12700" cmpd="sng">
+                      <a:noFill/>
+                    </a:lnR>
+                    <a:lnT w="12700" cmpd="sng">
+                      <a:noFill/>
+                    </a:lnT>
+                    <a:lnB w="12700" cmpd="sng">
+                      <a:noFill/>
+                    </a:lnB>
+                    <a:lnTlToBr w="12700" cmpd="sng">
+                      <a:noFill/>
+                      <a:prstDash val="solid"/>
+                    </a:lnTlToBr>
+                    <a:lnBlToTr w="12700" cmpd="sng">
+                      <a:noFill/>
+                      <a:prstDash val="solid"/>
+                    </a:lnBlToTr>
+                    <a:solidFill>
+                      <a:schemeClr val="bg1"/>
+                    </a:solidFill>
+                  </a:tcPr>
+                </a:tc>
+                <a:tc>
+                  <a:txBody>
+                    <a:bodyPr/>
+                    <a:lstStyle/>
+                    <a:p>
+                      <a:r>
+                        <a:rPr kumimoji="1" lang="en-US" altLang="ja-JP" dirty="0" smtClean="0">
+                          <a:solidFill>
+                            <a:schemeClr val="tx1"/>
+                          </a:solidFill>
+                        </a:rPr>
+                        <a:t>Room2</a:t>
+                      </a:r>
+                      <a:endParaRPr kumimoji="1" lang="ja-JP" altLang="en-US" dirty="0">
+                        <a:solidFill>
+                          <a:schemeClr val="tx1"/>
+                        </a:solidFill>
+                      </a:endParaRPr>
+                    </a:p>
+                  </a:txBody>
+                  <a:tcPr>
+                    <a:lnL w="12700" cmpd="sng">
+                      <a:noFill/>
+                    </a:lnL>
+                    <a:lnR w="12700" cap="flat" cmpd="sng" algn="ctr">
+                      <a:solidFill>
+                        <a:schemeClr val="tx1"/>
+                      </a:solidFill>
+                      <a:prstDash val="solid"/>
+                      <a:round/>
+                      <a:headEnd type="none" w="med" len="med"/>
+                      <a:tailEnd type="none" w="med" len="med"/>
+                    </a:lnR>
+                    <a:lnT w="12700" cmpd="sng">
+                      <a:noFill/>
+                    </a:lnT>
+                    <a:lnB w="12700" cmpd="sng">
+                      <a:noFill/>
+                    </a:lnB>
+                    <a:lnTlToBr w="12700" cmpd="sng">
+                      <a:noFill/>
+                      <a:prstDash val="solid"/>
+                    </a:lnTlToBr>
+                    <a:lnBlToTr w="12700" cmpd="sng">
+                      <a:noFill/>
+                      <a:prstDash val="solid"/>
+                    </a:lnBlToTr>
+                    <a:solidFill>
+                      <a:schemeClr val="bg1"/>
+                    </a:solidFill>
+                  </a:tcPr>
+                </a:tc>
+              </a:tr>
+              <a:tr h="370840">
+                <a:tc>
+                  <a:txBody>
+                    <a:bodyPr/>
+                    <a:lstStyle/>
+                    <a:p>
+                      <a:r>
+                        <a:rPr kumimoji="1" lang="en-US" altLang="ja-JP" dirty="0" smtClean="0">
+                          <a:solidFill>
+                            <a:schemeClr val="tx1"/>
+                          </a:solidFill>
+                        </a:rPr>
+                        <a:t>User3</a:t>
+                      </a:r>
+                      <a:endParaRPr kumimoji="1" lang="ja-JP" altLang="en-US" dirty="0">
+                        <a:solidFill>
+                          <a:schemeClr val="tx1"/>
+                        </a:solidFill>
+                      </a:endParaRPr>
+                    </a:p>
+                  </a:txBody>
+                  <a:tcPr>
+                    <a:lnL w="12700" cap="flat" cmpd="sng" algn="ctr">
+                      <a:solidFill>
+                        <a:schemeClr val="tx1"/>
+                      </a:solidFill>
+                      <a:prstDash val="solid"/>
+                      <a:round/>
+                      <a:headEnd type="none" w="med" len="med"/>
+                      <a:tailEnd type="none" w="med" len="med"/>
+                    </a:lnL>
+                    <a:lnR w="12700" cmpd="sng">
+                      <a:noFill/>
+                    </a:lnR>
+                    <a:lnT w="12700" cmpd="sng">
+                      <a:noFill/>
+                    </a:lnT>
+                    <a:lnB w="12700" cmpd="sng">
+                      <a:noFill/>
+                    </a:lnB>
+                    <a:lnTlToBr w="12700" cmpd="sng">
+                      <a:noFill/>
+                      <a:prstDash val="solid"/>
+                    </a:lnTlToBr>
+                    <a:lnBlToTr w="12700" cmpd="sng">
+                      <a:noFill/>
+                      <a:prstDash val="solid"/>
+                    </a:lnBlToTr>
+                    <a:solidFill>
+                      <a:schemeClr val="bg1"/>
+                    </a:solidFill>
+                  </a:tcPr>
+                </a:tc>
+                <a:tc>
+                  <a:txBody>
+                    <a:bodyPr/>
+                    <a:lstStyle/>
+                    <a:p>
+                      <a:r>
+                        <a:rPr kumimoji="1" lang="en-US" altLang="ja-JP" dirty="0" smtClean="0">
+                          <a:solidFill>
+                            <a:schemeClr val="tx1"/>
+                          </a:solidFill>
+                        </a:rPr>
+                        <a:t>Room1</a:t>
+                      </a:r>
+                      <a:endParaRPr kumimoji="1" lang="ja-JP" altLang="en-US" dirty="0">
+                        <a:solidFill>
+                          <a:schemeClr val="tx1"/>
+                        </a:solidFill>
+                      </a:endParaRPr>
+                    </a:p>
+                  </a:txBody>
+                  <a:tcPr>
+                    <a:lnL w="12700" cmpd="sng">
+                      <a:noFill/>
+                    </a:lnL>
+                    <a:lnR w="12700" cap="flat" cmpd="sng" algn="ctr">
+                      <a:solidFill>
+                        <a:schemeClr val="tx1"/>
+                      </a:solidFill>
+                      <a:prstDash val="solid"/>
+                      <a:round/>
+                      <a:headEnd type="none" w="med" len="med"/>
+                      <a:tailEnd type="none" w="med" len="med"/>
+                    </a:lnR>
+                    <a:lnT w="12700" cmpd="sng">
+                      <a:noFill/>
+                    </a:lnT>
+                    <a:lnB w="12700" cmpd="sng">
+                      <a:noFill/>
+                    </a:lnB>
+                    <a:lnTlToBr w="12700" cmpd="sng">
+                      <a:noFill/>
+                      <a:prstDash val="solid"/>
+                    </a:lnTlToBr>
+                    <a:lnBlToTr w="12700" cmpd="sng">
+                      <a:noFill/>
+                      <a:prstDash val="solid"/>
+                    </a:lnBlToTr>
+                    <a:solidFill>
+                      <a:schemeClr val="bg1"/>
+                    </a:solidFill>
+                  </a:tcPr>
+                </a:tc>
+              </a:tr>
+              <a:tr h="370840">
+                <a:tc>
+                  <a:txBody>
+                    <a:bodyPr/>
+                    <a:lstStyle/>
+                    <a:p>
+                      <a:endParaRPr kumimoji="1" lang="ja-JP" altLang="en-US" dirty="0">
+                        <a:solidFill>
+                          <a:schemeClr val="tx1"/>
+                        </a:solidFill>
+                      </a:endParaRPr>
+                    </a:p>
+                  </a:txBody>
+                  <a:tcPr>
+                    <a:lnL w="12700" cap="flat" cmpd="sng" algn="ctr">
+                      <a:solidFill>
+                        <a:schemeClr val="tx1"/>
+                      </a:solidFill>
+                      <a:prstDash val="solid"/>
+                      <a:round/>
+                      <a:headEnd type="none" w="med" len="med"/>
+                      <a:tailEnd type="none" w="med" len="med"/>
+                    </a:lnL>
+                    <a:lnR w="12700" cmpd="sng">
+                      <a:noFill/>
+                    </a:lnR>
+                    <a:lnT w="12700" cmpd="sng">
+                      <a:noFill/>
+                    </a:lnT>
+                    <a:lnB w="12700" cmpd="sng">
+                      <a:noFill/>
+                    </a:lnB>
+                    <a:lnTlToBr w="12700" cmpd="sng">
+                      <a:noFill/>
+                      <a:prstDash val="solid"/>
+                    </a:lnTlToBr>
+                    <a:lnBlToTr w="12700" cmpd="sng">
+                      <a:noFill/>
+                      <a:prstDash val="solid"/>
+                    </a:lnBlToTr>
+                    <a:solidFill>
+                      <a:schemeClr val="bg1"/>
+                    </a:solidFill>
+                  </a:tcPr>
+                </a:tc>
+                <a:tc>
+                  <a:txBody>
+                    <a:bodyPr/>
+                    <a:lstStyle/>
+                    <a:p>
+                      <a:r>
+                        <a:rPr kumimoji="1" lang="en-US" altLang="ja-JP" dirty="0" smtClean="0">
+                          <a:solidFill>
+                            <a:schemeClr val="tx1"/>
+                          </a:solidFill>
+                        </a:rPr>
+                        <a:t>Room2</a:t>
+                      </a:r>
+                      <a:endParaRPr kumimoji="1" lang="ja-JP" altLang="en-US" dirty="0">
+                        <a:solidFill>
+                          <a:schemeClr val="tx1"/>
+                        </a:solidFill>
+                      </a:endParaRPr>
+                    </a:p>
+                  </a:txBody>
+                  <a:tcPr>
+                    <a:lnL w="12700" cmpd="sng">
+                      <a:noFill/>
+                    </a:lnL>
+                    <a:lnR w="12700" cap="flat" cmpd="sng" algn="ctr">
+                      <a:solidFill>
+                        <a:schemeClr val="tx1"/>
+                      </a:solidFill>
+                      <a:prstDash val="solid"/>
+                      <a:round/>
+                      <a:headEnd type="none" w="med" len="med"/>
+                      <a:tailEnd type="none" w="med" len="med"/>
+                    </a:lnR>
+                    <a:lnT w="12700" cmpd="sng">
+                      <a:noFill/>
+                    </a:lnT>
+                    <a:lnB w="12700" cmpd="sng">
+                      <a:noFill/>
+                    </a:lnB>
+                    <a:lnTlToBr w="12700" cmpd="sng">
+                      <a:noFill/>
+                      <a:prstDash val="solid"/>
+                    </a:lnTlToBr>
+                    <a:lnBlToTr w="12700" cmpd="sng">
+                      <a:noFill/>
+                      <a:prstDash val="solid"/>
+                    </a:lnBlToTr>
+                    <a:solidFill>
+                      <a:schemeClr val="bg1"/>
+                    </a:solidFill>
+                  </a:tcPr>
+                </a:tc>
+              </a:tr>
+              <a:tr h="370840">
+                <a:tc>
+                  <a:txBody>
+                    <a:bodyPr/>
+                    <a:lstStyle/>
+                    <a:p>
+                      <a:endParaRPr kumimoji="1" lang="ja-JP" altLang="en-US" dirty="0">
+                        <a:solidFill>
+                          <a:schemeClr val="tx1"/>
+                        </a:solidFill>
+                      </a:endParaRPr>
+                    </a:p>
+                  </a:txBody>
+                  <a:tcPr>
+                    <a:lnL w="12700" cap="flat" cmpd="sng" algn="ctr">
+                      <a:solidFill>
+                        <a:schemeClr val="tx1"/>
+                      </a:solidFill>
+                      <a:prstDash val="solid"/>
+                      <a:round/>
+                      <a:headEnd type="none" w="med" len="med"/>
+                      <a:tailEnd type="none" w="med" len="med"/>
+                    </a:lnL>
+                    <a:lnR w="12700" cmpd="sng">
+                      <a:noFill/>
+                    </a:lnR>
+                    <a:lnT w="12700" cmpd="sng">
+                      <a:noFill/>
+                    </a:lnT>
+                    <a:lnB w="12700" cap="flat" cmpd="sng" algn="ctr">
+                      <a:solidFill>
+                        <a:schemeClr val="tx1"/>
+                      </a:solidFill>
+                      <a:prstDash val="solid"/>
+                      <a:round/>
+                      <a:headEnd type="none" w="med" len="med"/>
+                      <a:tailEnd type="none" w="med" len="med"/>
+                    </a:lnB>
+                    <a:lnTlToBr w="12700" cmpd="sng">
+                      <a:noFill/>
+                      <a:prstDash val="solid"/>
+                    </a:lnTlToBr>
+                    <a:lnBlToTr w="12700" cmpd="sng">
+                      <a:noFill/>
+                      <a:prstDash val="solid"/>
+                    </a:lnBlToTr>
+                    <a:solidFill>
+                      <a:schemeClr val="bg1"/>
+                    </a:solidFill>
+                  </a:tcPr>
+                </a:tc>
+                <a:tc>
+                  <a:txBody>
+                    <a:bodyPr/>
+                    <a:lstStyle/>
+                    <a:p>
+                      <a:r>
+                        <a:rPr kumimoji="1" lang="en-US" altLang="ja-JP" dirty="0" smtClean="0">
+                          <a:solidFill>
+                            <a:schemeClr val="tx1"/>
+                          </a:solidFill>
+                        </a:rPr>
+                        <a:t>Room3</a:t>
+                      </a:r>
+                      <a:endParaRPr kumimoji="1" lang="ja-JP" altLang="en-US" dirty="0">
+                        <a:solidFill>
+                          <a:schemeClr val="tx1"/>
+                        </a:solidFill>
+                      </a:endParaRPr>
+                    </a:p>
+                  </a:txBody>
+                  <a:tcPr>
+                    <a:lnL w="12700" cmpd="sng">
+                      <a:noFill/>
+                    </a:lnL>
+                    <a:lnR w="12700" cap="flat" cmpd="sng" algn="ctr">
+                      <a:solidFill>
+                        <a:schemeClr val="tx1"/>
+                      </a:solidFill>
+                      <a:prstDash val="solid"/>
+                      <a:round/>
+                      <a:headEnd type="none" w="med" len="med"/>
+                      <a:tailEnd type="none" w="med" len="med"/>
+                    </a:lnR>
+                    <a:lnT w="12700" cmpd="sng">
+                      <a:noFill/>
+                    </a:lnT>
+                    <a:lnB w="12700" cap="flat" cmpd="sng" algn="ctr">
+                      <a:solidFill>
+                        <a:schemeClr val="tx1"/>
+                      </a:solidFill>
+                      <a:prstDash val="solid"/>
+                      <a:round/>
+                      <a:headEnd type="none" w="med" len="med"/>
+                      <a:tailEnd type="none" w="med" len="med"/>
+                    </a:lnB>
+                    <a:lnTlToBr w="12700" cmpd="sng">
+                      <a:noFill/>
+                      <a:prstDash val="solid"/>
+                    </a:lnTlToBr>
+                    <a:lnBlToTr w="12700" cmpd="sng">
+                      <a:noFill/>
+                      <a:prstDash val="solid"/>
+                    </a:lnBlToTr>
+                    <a:solidFill>
+                      <a:schemeClr val="bg1"/>
+                    </a:solidFill>
+                  </a:tcPr>
+                </a:tc>
+              </a:tr>
+            </a:tbl>
+          </a:graphicData>
+        </a:graphic>
+      </p:graphicFrame>
       <p:sp>
         <p:nvSpPr>
           <p:cNvPr id="75" name="正方形/長方形 74"/>
@@ -7016,7 +7683,7 @@
         </p:nvSpPr>
         <p:spPr>
           <a:xfrm>
-            <a:off x="1592452" y="5604452"/>
+            <a:off x="3669446" y="5771089"/>
             <a:ext cx="717176" cy="489132"/>
           </a:xfrm>
           <a:prstGeom prst="rect">
@@ -7056,7 +7723,7 @@
         </p:nvSpPr>
         <p:spPr>
           <a:xfrm>
-            <a:off x="4124106" y="3144979"/>
+            <a:off x="6014718" y="2036463"/>
             <a:ext cx="717176" cy="489132"/>
           </a:xfrm>
           <a:prstGeom prst="rect">
@@ -7090,13 +7757,13 @@
       </p:sp>
       <p:sp>
         <p:nvSpPr>
-          <p:cNvPr id="37" name="正方形/長方形 36"/>
+          <p:cNvPr id="34" name="正方形/長方形 33"/>
           <p:cNvSpPr/>
           <p:nvPr/>
         </p:nvSpPr>
         <p:spPr>
           <a:xfrm>
-            <a:off x="2348326" y="3119650"/>
+            <a:off x="3303770" y="2097869"/>
             <a:ext cx="717176" cy="489132"/>
           </a:xfrm>
           <a:prstGeom prst="rect">
@@ -7130,46 +7797,6 @@
       </p:sp>
       <p:sp>
         <p:nvSpPr>
-          <p:cNvPr id="34" name="正方形/長方形 33"/>
-          <p:cNvSpPr/>
-          <p:nvPr/>
-        </p:nvSpPr>
-        <p:spPr>
-          <a:xfrm>
-            <a:off x="1413158" y="3206385"/>
-            <a:ext cx="717176" cy="489132"/>
-          </a:xfrm>
-          <a:prstGeom prst="rect">
-            <a:avLst/>
-          </a:prstGeom>
-        </p:spPr>
-        <p:style>
-          <a:lnRef idx="2">
-            <a:schemeClr val="accent1">
-              <a:shade val="50000"/>
-            </a:schemeClr>
-          </a:lnRef>
-          <a:fillRef idx="1">
-            <a:schemeClr val="accent1"/>
-          </a:fillRef>
-          <a:effectRef idx="0">
-            <a:schemeClr val="accent1"/>
-          </a:effectRef>
-          <a:fontRef idx="minor">
-            <a:schemeClr val="lt1"/>
-          </a:fontRef>
-        </p:style>
-        <p:txBody>
-          <a:bodyPr rtlCol="0" anchor="ctr"/>
-          <a:lstStyle/>
-          <a:p>
-            <a:pPr algn="ctr"/>
-            <a:endParaRPr kumimoji="1" lang="ja-JP" altLang="en-US"/>
-          </a:p>
-        </p:txBody>
-      </p:sp>
-      <p:sp>
-        <p:nvSpPr>
           <p:cNvPr id="2" name="タイトル 1"/>
           <p:cNvSpPr>
             <a:spLocks noGrp="1"/>
@@ -7204,7 +7831,7 @@
         </p:nvSpPr>
         <p:spPr>
           <a:xfrm>
-            <a:off x="-90186" y="2574930"/>
+            <a:off x="1106109" y="1452063"/>
             <a:ext cx="1198541" cy="523220"/>
           </a:xfrm>
           <a:prstGeom prst="rect">
@@ -7234,41 +7861,6 @@
           </a:p>
         </p:txBody>
       </p:sp>
-      <p:pic>
-        <p:nvPicPr>
-          <p:cNvPr id="8" name="図 7"/>
-          <p:cNvPicPr>
-            <a:picLocks noChangeAspect="1"/>
-          </p:cNvPicPr>
-          <p:nvPr/>
-        </p:nvPicPr>
-        <p:blipFill>
-          <a:blip r:embed="rId3">
-            <a:extLst>
-              <a:ext uri="{28A0092B-C50C-407E-A947-70E740481C1C}">
-                <a14:useLocalDpi xmlns:a14="http://schemas.microsoft.com/office/drawing/2010/main" val="0"/>
-              </a:ext>
-            </a:extLst>
-          </a:blip>
-          <a:stretch>
-            <a:fillRect/>
-          </a:stretch>
-        </p:blipFill>
-        <p:spPr>
-          <a:xfrm>
-            <a:off x="8379051" y="1083790"/>
-            <a:ext cx="2962275" cy="2305050"/>
-          </a:xfrm>
-          <a:prstGeom prst="rect">
-            <a:avLst/>
-          </a:prstGeom>
-          <a:ln w="44450">
-            <a:solidFill>
-              <a:schemeClr val="accent1"/>
-            </a:solidFill>
-          </a:ln>
-        </p:spPr>
-      </p:pic>
       <p:graphicFrame>
         <p:nvGraphicFramePr>
           <p:cNvPr id="16" name="コンテンツ プレースホルダー 3"/>
@@ -7278,14 +7870,14 @@
           <p:nvPr>
             <p:extLst>
               <p:ext uri="{D42A27DB-BD31-4B8C-83A1-F6EECF244321}">
-                <p14:modId xmlns:p14="http://schemas.microsoft.com/office/powerpoint/2010/main" val="3933997058"/>
+                <p14:modId xmlns:p14="http://schemas.microsoft.com/office/powerpoint/2010/main" val="3955668902"/>
               </p:ext>
             </p:extLst>
           </p:nvPr>
         </p:nvGraphicFramePr>
         <p:xfrm>
-          <a:off x="476469" y="5595973"/>
-          <a:ext cx="7113980" cy="736816"/>
+          <a:off x="2553463" y="5762610"/>
+          <a:ext cx="5347819" cy="736816"/>
         </p:xfrm>
         <a:graphic>
           <a:graphicData uri="http://schemas.openxmlformats.org/drawingml/2006/table">
@@ -7298,7 +7890,6 @@
                 <a:gridCol w="1205046"/>
                 <a:gridCol w="1446563"/>
                 <a:gridCol w="1710055"/>
-                <a:gridCol w="1766161"/>
               </a:tblGrid>
               <a:tr h="0">
                 <a:tc>
@@ -7350,21 +7941,7 @@
                     <a:p>
                       <a:r>
                         <a:rPr kumimoji="1" lang="en-US" altLang="ja-JP" dirty="0" err="1" smtClean="0"/>
-                        <a:t>created_date</a:t>
-                      </a:r>
-                      <a:endParaRPr kumimoji="1" lang="ja-JP" altLang="en-US" dirty="0"/>
-                    </a:p>
-                  </a:txBody>
-                  <a:tcPr/>
-                </a:tc>
-                <a:tc>
-                  <a:txBody>
-                    <a:bodyPr/>
-                    <a:lstStyle/>
-                    <a:p>
-                      <a:r>
-                        <a:rPr kumimoji="1" lang="en-US" altLang="ja-JP" dirty="0" err="1" smtClean="0"/>
-                        <a:t>Created_time</a:t>
+                        <a:t>user_id</a:t>
                       </a:r>
                       <a:endParaRPr kumimoji="1" lang="ja-JP" altLang="en-US" dirty="0"/>
                     </a:p>
@@ -7422,21 +7999,7 @@
                     <a:p>
                       <a:r>
                         <a:rPr kumimoji="1" lang="en-US" altLang="ja-JP" dirty="0" smtClean="0"/>
-                        <a:t>string</a:t>
-                      </a:r>
-                      <a:endParaRPr kumimoji="1" lang="ja-JP" altLang="en-US" dirty="0"/>
-                    </a:p>
-                  </a:txBody>
-                  <a:tcPr/>
-                </a:tc>
-                <a:tc>
-                  <a:txBody>
-                    <a:bodyPr/>
-                    <a:lstStyle/>
-                    <a:p>
-                      <a:r>
-                        <a:rPr kumimoji="1" lang="en-US" altLang="ja-JP" dirty="0" smtClean="0"/>
-                        <a:t>string</a:t>
+                        <a:t>integer</a:t>
                       </a:r>
                       <a:endParaRPr kumimoji="1" lang="ja-JP" altLang="en-US" dirty="0"/>
                     </a:p>
@@ -7456,8 +8019,8 @@
         </p:nvSpPr>
         <p:spPr>
           <a:xfrm>
-            <a:off x="-131196" y="5006651"/>
-            <a:ext cx="1499536" cy="523220"/>
+            <a:off x="1106109" y="4967484"/>
+            <a:ext cx="2440824" cy="523220"/>
           </a:xfrm>
           <a:prstGeom prst="rect">
             <a:avLst/>
@@ -7475,12 +8038,12 @@
           <a:p>
             <a:pPr algn="ctr"/>
             <a:r>
-              <a:rPr kumimoji="1" lang="en-US" altLang="ja-JP" sz="2800" dirty="0"/>
-              <a:t>r</a:t>
-            </a:r>
-            <a:r>
-              <a:rPr kumimoji="1" lang="en-US" altLang="ja-JP" sz="2800" dirty="0" smtClean="0"/>
-              <a:t>ooms</a:t>
+              <a:rPr kumimoji="1" lang="en-US" altLang="ja-JP" sz="2800" dirty="0" err="1"/>
+              <a:t>c</a:t>
+            </a:r>
+            <a:r>
+              <a:rPr kumimoji="1" lang="en-US" altLang="ja-JP" sz="2800" dirty="0" err="1" smtClean="0"/>
+              <a:t>hat_rooms</a:t>
             </a:r>
             <a:endParaRPr kumimoji="1" lang="ja-JP" altLang="en-US" sz="2800" dirty="0"/>
           </a:p>
@@ -7494,8 +8057,8 @@
         </p:nvSpPr>
         <p:spPr>
           <a:xfrm>
-            <a:off x="8379051" y="1621215"/>
-            <a:ext cx="864654" cy="1767627"/>
+            <a:off x="9046694" y="1348377"/>
+            <a:ext cx="884696" cy="2225040"/>
           </a:xfrm>
           <a:prstGeom prst="rect">
             <a:avLst/>
@@ -7532,58 +8095,14 @@
       </p:sp>
       <p:sp>
         <p:nvSpPr>
-          <p:cNvPr id="28" name="正方形/長方形 27"/>
-          <p:cNvSpPr/>
-          <p:nvPr/>
-        </p:nvSpPr>
-        <p:spPr>
-          <a:xfrm>
-            <a:off x="9280496" y="1621213"/>
-            <a:ext cx="864654" cy="1767627"/>
-          </a:xfrm>
-          <a:prstGeom prst="rect">
-            <a:avLst/>
-          </a:prstGeom>
-          <a:noFill/>
-          <a:ln w="38100">
-            <a:solidFill>
-              <a:schemeClr val="accent1"/>
-            </a:solidFill>
-          </a:ln>
-        </p:spPr>
-        <p:style>
-          <a:lnRef idx="2">
-            <a:schemeClr val="accent1"/>
-          </a:lnRef>
-          <a:fillRef idx="1">
-            <a:schemeClr val="lt1"/>
-          </a:fillRef>
-          <a:effectRef idx="0">
-            <a:schemeClr val="accent1"/>
-          </a:effectRef>
-          <a:fontRef idx="minor">
-            <a:schemeClr val="dk1"/>
-          </a:fontRef>
-        </p:style>
-        <p:txBody>
-          <a:bodyPr rtlCol="0" anchor="ctr"/>
-          <a:lstStyle/>
-          <a:p>
-            <a:pPr algn="ctr"/>
-            <a:endParaRPr kumimoji="1" lang="ja-JP" altLang="en-US"/>
-          </a:p>
-        </p:txBody>
-      </p:sp>
-      <p:sp>
-        <p:nvSpPr>
           <p:cNvPr id="29" name="正方形/長方形 28"/>
           <p:cNvSpPr/>
           <p:nvPr/>
         </p:nvSpPr>
         <p:spPr>
           <a:xfrm>
-            <a:off x="10181942" y="1621213"/>
-            <a:ext cx="864654" cy="1767627"/>
+            <a:off x="9931390" y="1348377"/>
+            <a:ext cx="962203" cy="2225040"/>
           </a:xfrm>
           <a:prstGeom prst="rect">
             <a:avLst/>
@@ -7628,12 +8147,15 @@
           <p:nvPr/>
         </p:nvCxnSpPr>
         <p:spPr>
-          <a:xfrm rot="5400000" flipH="1" flipV="1">
-            <a:off x="4724720" y="-447945"/>
-            <a:ext cx="701356" cy="6607305"/>
+          <a:xfrm rot="16200000" flipH="1">
+            <a:off x="6173012" y="-412785"/>
+            <a:ext cx="363028" cy="5384336"/>
           </a:xfrm>
-          <a:prstGeom prst="bentConnector2">
-            <a:avLst/>
+          <a:prstGeom prst="bentConnector4">
+            <a:avLst>
+              <a:gd name="adj1" fmla="val -113346"/>
+              <a:gd name="adj2" fmla="val 78319"/>
+            </a:avLst>
           </a:prstGeom>
           <a:ln w="50800">
             <a:solidFill>
@@ -7659,59 +8181,14 @@
       </p:cxnSp>
       <p:cxnSp>
         <p:nvCxnSpPr>
-          <p:cNvPr id="38" name="カギ線コネクタ 37"/>
-          <p:cNvCxnSpPr>
-            <a:stCxn id="37" idx="0"/>
-            <a:endCxn id="8" idx="2"/>
-          </p:cNvCxnSpPr>
-          <p:nvPr/>
-        </p:nvCxnSpPr>
-        <p:spPr>
-          <a:xfrm rot="16200000" flipH="1">
-            <a:off x="6148956" y="-322392"/>
-            <a:ext cx="269190" cy="7153275"/>
-          </a:xfrm>
-          <a:prstGeom prst="bentConnector5">
-            <a:avLst>
-              <a:gd name="adj1" fmla="val -84921"/>
-              <a:gd name="adj2" fmla="val 75938"/>
-              <a:gd name="adj3" fmla="val 248007"/>
-            </a:avLst>
-          </a:prstGeom>
-          <a:ln w="50800">
-            <a:solidFill>
-              <a:schemeClr val="accent1"/>
-            </a:solidFill>
-            <a:tailEnd type="triangle"/>
-          </a:ln>
-        </p:spPr>
-        <p:style>
-          <a:lnRef idx="1">
-            <a:schemeClr val="accent1"/>
-          </a:lnRef>
-          <a:fillRef idx="0">
-            <a:schemeClr val="accent1"/>
-          </a:fillRef>
-          <a:effectRef idx="0">
-            <a:schemeClr val="accent1"/>
-          </a:effectRef>
-          <a:fontRef idx="minor">
-            <a:schemeClr val="tx1"/>
-          </a:fontRef>
-        </p:style>
-      </p:cxnSp>
-      <p:cxnSp>
-        <p:nvCxnSpPr>
           <p:cNvPr id="70" name="直線矢印コネクタ 69"/>
-          <p:cNvCxnSpPr>
-            <a:endCxn id="100" idx="2"/>
-          </p:cNvCxnSpPr>
+          <p:cNvCxnSpPr/>
           <p:nvPr/>
         </p:nvCxnSpPr>
         <p:spPr>
           <a:xfrm flipV="1">
-            <a:off x="1223982" y="3854109"/>
-            <a:ext cx="2843157" cy="1684241"/>
+            <a:off x="3300977" y="4685937"/>
+            <a:ext cx="2342177" cy="1030952"/>
           </a:xfrm>
           <a:prstGeom prst="straightConnector1">
             <a:avLst/>
@@ -7747,12 +8224,12 @@
         </p:nvCxnSpPr>
         <p:spPr>
           <a:xfrm rot="5400000" flipH="1" flipV="1">
-            <a:off x="5174848" y="165032"/>
-            <a:ext cx="2215612" cy="8663229"/>
+            <a:off x="6121427" y="1480024"/>
+            <a:ext cx="2197672" cy="6384458"/>
           </a:xfrm>
           <a:prstGeom prst="bentConnector3">
             <a:avLst>
-              <a:gd name="adj1" fmla="val 12766"/>
+              <a:gd name="adj1" fmla="val 7204"/>
             </a:avLst>
           </a:prstGeom>
           <a:ln w="50800">
@@ -7787,14 +8264,14 @@
             <p:ph idx="1"/>
             <p:extLst>
               <p:ext uri="{D42A27DB-BD31-4B8C-83A1-F6EECF244321}">
-                <p14:modId xmlns:p14="http://schemas.microsoft.com/office/powerpoint/2010/main" val="715109330"/>
+                <p14:modId xmlns:p14="http://schemas.microsoft.com/office/powerpoint/2010/main" val="3579688618"/>
               </p:ext>
             </p:extLst>
           </p:nvPr>
         </p:nvGraphicFramePr>
         <p:xfrm>
-          <a:off x="371712" y="3117293"/>
-          <a:ext cx="7390855" cy="736816"/>
+          <a:off x="2262324" y="2008777"/>
+          <a:ext cx="5191532" cy="736816"/>
         </p:xfrm>
         <a:graphic>
           <a:graphicData uri="http://schemas.openxmlformats.org/drawingml/2006/table">
@@ -7805,8 +8282,6 @@
               <a:tblGrid>
                 <a:gridCol w="986155"/>
                 <a:gridCol w="836930"/>
-                <a:gridCol w="1060768"/>
-                <a:gridCol w="1138555"/>
                 <a:gridCol w="836930"/>
                 <a:gridCol w="1579880"/>
                 <a:gridCol w="951637"/>
@@ -7834,33 +8309,6 @@
                       <a:r>
                         <a:rPr kumimoji="1" lang="en-US" altLang="ja-JP" dirty="0" smtClean="0"/>
                         <a:t>name</a:t>
-                      </a:r>
-                      <a:endParaRPr kumimoji="1" lang="ja-JP" altLang="en-US" dirty="0"/>
-                    </a:p>
-                  </a:txBody>
-                  <a:tcPr/>
-                </a:tc>
-                <a:tc>
-                  <a:txBody>
-                    <a:bodyPr/>
-                    <a:lstStyle/>
-                    <a:p>
-                      <a:r>
-                        <a:rPr kumimoji="1" lang="en-US" altLang="ja-JP" dirty="0" smtClean="0"/>
-                        <a:t>online</a:t>
-                      </a:r>
-                    </a:p>
-                  </a:txBody>
-                  <a:tcPr/>
-                </a:tc>
-                <a:tc>
-                  <a:txBody>
-                    <a:bodyPr/>
-                    <a:lstStyle/>
-                    <a:p>
-                      <a:r>
-                        <a:rPr kumimoji="1" lang="en-US" altLang="ja-JP" dirty="0" err="1" smtClean="0"/>
-                        <a:t>room_id</a:t>
                       </a:r>
                       <a:endParaRPr kumimoji="1" lang="ja-JP" altLang="en-US" dirty="0"/>
                     </a:p>
@@ -7946,34 +8394,6 @@
                     <a:p>
                       <a:r>
                         <a:rPr kumimoji="1" lang="en-US" altLang="ja-JP" dirty="0" smtClean="0"/>
-                        <a:t>boolean</a:t>
-                      </a:r>
-                      <a:endParaRPr kumimoji="1" lang="ja-JP" altLang="en-US" dirty="0"/>
-                    </a:p>
-                  </a:txBody>
-                  <a:tcPr/>
-                </a:tc>
-                <a:tc>
-                  <a:txBody>
-                    <a:bodyPr/>
-                    <a:lstStyle/>
-                    <a:p>
-                      <a:r>
-                        <a:rPr kumimoji="1" lang="en-US" altLang="ja-JP" dirty="0" smtClean="0"/>
-                        <a:t>integer</a:t>
-                      </a:r>
-                      <a:endParaRPr kumimoji="1" lang="ja-JP" altLang="en-US" dirty="0"/>
-                    </a:p>
-                  </a:txBody>
-                  <a:tcPr/>
-                </a:tc>
-                <a:tc>
-                  <a:txBody>
-                    <a:bodyPr/>
-                    <a:lstStyle/>
-                    <a:p>
-                      <a:r>
-                        <a:rPr kumimoji="1" lang="en-US" altLang="ja-JP" dirty="0" smtClean="0"/>
                         <a:t>string</a:t>
                       </a:r>
                       <a:endParaRPr kumimoji="1" lang="ja-JP" altLang="en-US" dirty="0"/>
@@ -8014,6 +8434,239 @@
           </a:graphicData>
         </a:graphic>
       </p:graphicFrame>
+      <p:sp>
+        <p:nvSpPr>
+          <p:cNvPr id="23" name="正方形/長方形 22"/>
+          <p:cNvSpPr/>
+          <p:nvPr/>
+        </p:nvSpPr>
+        <p:spPr>
+          <a:xfrm>
+            <a:off x="3786954" y="3966262"/>
+            <a:ext cx="717176" cy="489132"/>
+          </a:xfrm>
+          <a:prstGeom prst="rect">
+            <a:avLst/>
+          </a:prstGeom>
+        </p:spPr>
+        <p:style>
+          <a:lnRef idx="2">
+            <a:schemeClr val="accent1">
+              <a:shade val="50000"/>
+            </a:schemeClr>
+          </a:lnRef>
+          <a:fillRef idx="1">
+            <a:schemeClr val="accent1"/>
+          </a:fillRef>
+          <a:effectRef idx="0">
+            <a:schemeClr val="accent1"/>
+          </a:effectRef>
+          <a:fontRef idx="minor">
+            <a:schemeClr val="lt1"/>
+          </a:fontRef>
+        </p:style>
+        <p:txBody>
+          <a:bodyPr rtlCol="0" anchor="ctr"/>
+          <a:lstStyle/>
+          <a:p>
+            <a:pPr algn="ctr"/>
+            <a:endParaRPr kumimoji="1" lang="ja-JP" altLang="en-US"/>
+          </a:p>
+        </p:txBody>
+      </p:sp>
+      <p:graphicFrame>
+        <p:nvGraphicFramePr>
+          <p:cNvPr id="24" name="コンテンツ プレースホルダー 3"/>
+          <p:cNvGraphicFramePr>
+            <a:graphicFrameLocks/>
+          </p:cNvGraphicFramePr>
+          <p:nvPr>
+            <p:extLst>
+              <p:ext uri="{D42A27DB-BD31-4B8C-83A1-F6EECF244321}">
+                <p14:modId xmlns:p14="http://schemas.microsoft.com/office/powerpoint/2010/main" val="640784511"/>
+              </p:ext>
+            </p:extLst>
+          </p:nvPr>
+        </p:nvGraphicFramePr>
+        <p:xfrm>
+          <a:off x="2670971" y="3957783"/>
+          <a:ext cx="4330720" cy="736816"/>
+        </p:xfrm>
+        <a:graphic>
+          <a:graphicData uri="http://schemas.openxmlformats.org/drawingml/2006/table">
+            <a:tbl>
+              <a:tblPr firstRow="1" bandRow="1">
+                <a:tableStyleId>{5C22544A-7EE6-4342-B048-85BDC9FD1C3A}</a:tableStyleId>
+              </a:tblPr>
+              <a:tblGrid>
+                <a:gridCol w="1174007"/>
+                <a:gridCol w="1434595"/>
+                <a:gridCol w="1722118"/>
+              </a:tblGrid>
+              <a:tr h="0">
+                <a:tc>
+                  <a:txBody>
+                    <a:bodyPr/>
+                    <a:lstStyle/>
+                    <a:p>
+                      <a:r>
+                        <a:rPr kumimoji="1" lang="en-US" altLang="ja-JP" u="none" dirty="0" smtClean="0"/>
+                        <a:t>id</a:t>
+                      </a:r>
+                      <a:endParaRPr kumimoji="1" lang="ja-JP" altLang="en-US" u="none" dirty="0"/>
+                    </a:p>
+                  </a:txBody>
+                  <a:tcPr/>
+                </a:tc>
+                <a:tc>
+                  <a:txBody>
+                    <a:bodyPr/>
+                    <a:lstStyle/>
+                    <a:p>
+                      <a:r>
+                        <a:rPr kumimoji="1" lang="en-US" altLang="ja-JP" dirty="0" err="1" smtClean="0"/>
+                        <a:t>user_id</a:t>
+                      </a:r>
+                      <a:endParaRPr kumimoji="1" lang="ja-JP" altLang="en-US" dirty="0"/>
+                    </a:p>
+                  </a:txBody>
+                  <a:tcPr/>
+                </a:tc>
+                <a:tc>
+                  <a:txBody>
+                    <a:bodyPr/>
+                    <a:lstStyle/>
+                    <a:p>
+                      <a:r>
+                        <a:rPr kumimoji="1" lang="en-US" altLang="ja-JP" dirty="0" err="1" smtClean="0"/>
+                        <a:t>chat_room_id</a:t>
+                      </a:r>
+                      <a:endParaRPr kumimoji="1" lang="ja-JP" altLang="en-US" dirty="0"/>
+                    </a:p>
+                  </a:txBody>
+                  <a:tcPr/>
+                </a:tc>
+              </a:tr>
+              <a:tr h="371056">
+                <a:tc>
+                  <a:txBody>
+                    <a:bodyPr/>
+                    <a:lstStyle/>
+                    <a:p>
+                      <a:r>
+                        <a:rPr kumimoji="1" lang="en-US" altLang="ja-JP" dirty="0" smtClean="0"/>
+                        <a:t>integer</a:t>
+                      </a:r>
+                      <a:endParaRPr kumimoji="1" lang="ja-JP" altLang="en-US" dirty="0"/>
+                    </a:p>
+                  </a:txBody>
+                  <a:tcPr/>
+                </a:tc>
+                <a:tc>
+                  <a:txBody>
+                    <a:bodyPr/>
+                    <a:lstStyle/>
+                    <a:p>
+                      <a:r>
+                        <a:rPr kumimoji="1" lang="en-US" altLang="ja-JP" dirty="0" smtClean="0"/>
+                        <a:t>integer</a:t>
+                      </a:r>
+                      <a:endParaRPr kumimoji="1" lang="ja-JP" altLang="en-US" dirty="0"/>
+                    </a:p>
+                  </a:txBody>
+                  <a:tcPr/>
+                </a:tc>
+                <a:tc>
+                  <a:txBody>
+                    <a:bodyPr/>
+                    <a:lstStyle/>
+                    <a:p>
+                      <a:r>
+                        <a:rPr kumimoji="1" lang="en-US" altLang="ja-JP" dirty="0" smtClean="0"/>
+                        <a:t>integer</a:t>
+                      </a:r>
+                      <a:endParaRPr kumimoji="1" lang="ja-JP" altLang="en-US" dirty="0"/>
+                    </a:p>
+                  </a:txBody>
+                  <a:tcPr/>
+                </a:tc>
+              </a:tr>
+            </a:tbl>
+          </a:graphicData>
+        </a:graphic>
+      </p:graphicFrame>
+      <p:sp>
+        <p:nvSpPr>
+          <p:cNvPr id="25" name="テキスト ボックス 24"/>
+          <p:cNvSpPr txBox="1"/>
+          <p:nvPr/>
+        </p:nvSpPr>
+        <p:spPr>
+          <a:xfrm>
+            <a:off x="1106108" y="3204751"/>
+            <a:ext cx="2440824" cy="523220"/>
+          </a:xfrm>
+          <a:prstGeom prst="rect">
+            <a:avLst/>
+          </a:prstGeom>
+          <a:noFill/>
+          <a:ln>
+            <a:noFill/>
+          </a:ln>
+        </p:spPr>
+        <p:txBody>
+          <a:bodyPr wrap="square" rtlCol="0">
+            <a:spAutoFit/>
+          </a:bodyPr>
+          <a:lstStyle/>
+          <a:p>
+            <a:pPr algn="ctr"/>
+            <a:r>
+              <a:rPr kumimoji="1" lang="en-US" altLang="ja-JP" sz="2800" dirty="0" smtClean="0"/>
+              <a:t>participant</a:t>
+            </a:r>
+            <a:r>
+              <a:rPr kumimoji="1" lang="en-US" altLang="ja-JP" sz="2800" dirty="0" smtClean="0"/>
+              <a:t>s</a:t>
+            </a:r>
+            <a:endParaRPr kumimoji="1" lang="ja-JP" altLang="en-US" sz="2800" dirty="0"/>
+          </a:p>
+        </p:txBody>
+      </p:sp>
+      <p:cxnSp>
+        <p:nvCxnSpPr>
+          <p:cNvPr id="41" name="直線矢印コネクタ 40"/>
+          <p:cNvCxnSpPr/>
+          <p:nvPr/>
+        </p:nvCxnSpPr>
+        <p:spPr>
+          <a:xfrm>
+            <a:off x="2826576" y="2799459"/>
+            <a:ext cx="1645489" cy="1174951"/>
+          </a:xfrm>
+          <a:prstGeom prst="straightConnector1">
+            <a:avLst/>
+          </a:prstGeom>
+          <a:ln w="73025">
+            <a:prstDash val="sysDot"/>
+            <a:tailEnd type="triangle"/>
+          </a:ln>
+        </p:spPr>
+        <p:style>
+          <a:lnRef idx="1">
+            <a:schemeClr val="accent1"/>
+          </a:lnRef>
+          <a:fillRef idx="0">
+            <a:schemeClr val="accent1"/>
+          </a:fillRef>
+          <a:effectRef idx="0">
+            <a:schemeClr val="accent1"/>
+          </a:effectRef>
+          <a:fontRef idx="minor">
+            <a:schemeClr val="tx1"/>
+          </a:fontRef>
+        </p:style>
+      </p:cxnSp>
     </p:spTree>
     <p:extLst>
       <p:ext uri="{BB962C8B-B14F-4D97-AF65-F5344CB8AC3E}">
@@ -8027,216 +8680,9 @@
   <p:timing>
     <p:tnLst>
       <p:par>
-        <p:cTn id="1" dur="indefinite" restart="never" nodeType="tmRoot">
-          <p:childTnLst>
-            <p:seq concurrent="1" nextAc="seek">
-              <p:cTn id="2" dur="indefinite" nodeType="mainSeq">
-                <p:childTnLst>
-                  <p:par>
-                    <p:cTn id="3" fill="hold">
-                      <p:stCondLst>
-                        <p:cond delay="indefinite"/>
-                      </p:stCondLst>
-                      <p:childTnLst>
-                        <p:par>
-                          <p:cTn id="4" fill="hold">
-                            <p:stCondLst>
-                              <p:cond delay="0"/>
-                            </p:stCondLst>
-                            <p:childTnLst>
-                              <p:par>
-                                <p:cTn id="5" presetID="1" presetClass="entr" presetSubtype="0" fill="hold" nodeType="clickEffect">
-                                  <p:stCondLst>
-                                    <p:cond delay="0"/>
-                                  </p:stCondLst>
-                                  <p:childTnLst>
-                                    <p:set>
-                                      <p:cBhvr>
-                                        <p:cTn id="6" dur="1" fill="hold">
-                                          <p:stCondLst>
-                                            <p:cond delay="0"/>
-                                          </p:stCondLst>
-                                        </p:cTn>
-                                        <p:tgtEl>
-                                          <p:spTgt spid="70"/>
-                                        </p:tgtEl>
-                                        <p:attrNameLst>
-                                          <p:attrName>style.visibility</p:attrName>
-                                        </p:attrNameLst>
-                                      </p:cBhvr>
-                                      <p:to>
-                                        <p:strVal val="visible"/>
-                                      </p:to>
-                                    </p:set>
-                                  </p:childTnLst>
-                                </p:cTn>
-                              </p:par>
-                              <p:par>
-                                <p:cTn id="7" presetID="1" presetClass="entr" presetSubtype="0" fill="hold" nodeType="withEffect">
-                                  <p:stCondLst>
-                                    <p:cond delay="0"/>
-                                  </p:stCondLst>
-                                  <p:childTnLst>
-                                    <p:set>
-                                      <p:cBhvr>
-                                        <p:cTn id="8" dur="1" fill="hold">
-                                          <p:stCondLst>
-                                            <p:cond delay="0"/>
-                                          </p:stCondLst>
-                                        </p:cTn>
-                                        <p:tgtEl>
-                                          <p:spTgt spid="100"/>
-                                        </p:tgtEl>
-                                        <p:attrNameLst>
-                                          <p:attrName>style.visibility</p:attrName>
-                                        </p:attrNameLst>
-                                      </p:cBhvr>
-                                      <p:to>
-                                        <p:strVal val="visible"/>
-                                      </p:to>
-                                    </p:set>
-                                  </p:childTnLst>
-                                </p:cTn>
-                              </p:par>
-                              <p:par>
-                                <p:cTn id="9" presetID="1" presetClass="entr" presetSubtype="0" fill="hold" nodeType="withEffect">
-                                  <p:stCondLst>
-                                    <p:cond delay="0"/>
-                                  </p:stCondLst>
-                                  <p:childTnLst>
-                                    <p:set>
-                                      <p:cBhvr>
-                                        <p:cTn id="10" dur="1" fill="hold">
-                                          <p:stCondLst>
-                                            <p:cond delay="0"/>
-                                          </p:stCondLst>
-                                        </p:cTn>
-                                        <p:tgtEl>
-                                          <p:spTgt spid="80"/>
-                                        </p:tgtEl>
-                                        <p:attrNameLst>
-                                          <p:attrName>style.visibility</p:attrName>
-                                        </p:attrNameLst>
-                                      </p:cBhvr>
-                                      <p:to>
-                                        <p:strVal val="visible"/>
-                                      </p:to>
-                                    </p:set>
-                                  </p:childTnLst>
-                                </p:cTn>
-                              </p:par>
-                              <p:par>
-                                <p:cTn id="11" presetID="1" presetClass="entr" presetSubtype="0" fill="hold" nodeType="withEffect">
-                                  <p:stCondLst>
-                                    <p:cond delay="0"/>
-                                  </p:stCondLst>
-                                  <p:childTnLst>
-                                    <p:set>
-                                      <p:cBhvr>
-                                        <p:cTn id="12" dur="1" fill="hold">
-                                          <p:stCondLst>
-                                            <p:cond delay="0"/>
-                                          </p:stCondLst>
-                                        </p:cTn>
-                                        <p:tgtEl>
-                                          <p:spTgt spid="16"/>
-                                        </p:tgtEl>
-                                        <p:attrNameLst>
-                                          <p:attrName>style.visibility</p:attrName>
-                                        </p:attrNameLst>
-                                      </p:cBhvr>
-                                      <p:to>
-                                        <p:strVal val="visible"/>
-                                      </p:to>
-                                    </p:set>
-                                  </p:childTnLst>
-                                </p:cTn>
-                              </p:par>
-                              <p:par>
-                                <p:cTn id="13" presetID="1" presetClass="entr" presetSubtype="0" fill="hold" grpId="0" nodeType="withEffect">
-                                  <p:stCondLst>
-                                    <p:cond delay="0"/>
-                                  </p:stCondLst>
-                                  <p:childTnLst>
-                                    <p:set>
-                                      <p:cBhvr>
-                                        <p:cTn id="14" dur="1" fill="hold">
-                                          <p:stCondLst>
-                                            <p:cond delay="0"/>
-                                          </p:stCondLst>
-                                        </p:cTn>
-                                        <p:tgtEl>
-                                          <p:spTgt spid="17"/>
-                                        </p:tgtEl>
-                                        <p:attrNameLst>
-                                          <p:attrName>style.visibility</p:attrName>
-                                        </p:attrNameLst>
-                                      </p:cBhvr>
-                                      <p:to>
-                                        <p:strVal val="visible"/>
-                                      </p:to>
-                                    </p:set>
-                                  </p:childTnLst>
-                                </p:cTn>
-                              </p:par>
-                              <p:par>
-                                <p:cTn id="15" presetID="1" presetClass="entr" presetSubtype="0" fill="hold" grpId="0" nodeType="withEffect">
-                                  <p:stCondLst>
-                                    <p:cond delay="0"/>
-                                  </p:stCondLst>
-                                  <p:childTnLst>
-                                    <p:set>
-                                      <p:cBhvr>
-                                        <p:cTn id="16" dur="1" fill="hold">
-                                          <p:stCondLst>
-                                            <p:cond delay="0"/>
-                                          </p:stCondLst>
-                                        </p:cTn>
-                                        <p:tgtEl>
-                                          <p:spTgt spid="75"/>
-                                        </p:tgtEl>
-                                        <p:attrNameLst>
-                                          <p:attrName>style.visibility</p:attrName>
-                                        </p:attrNameLst>
-                                      </p:cBhvr>
-                                      <p:to>
-                                        <p:strVal val="visible"/>
-                                      </p:to>
-                                    </p:set>
-                                  </p:childTnLst>
-                                </p:cTn>
-                              </p:par>
-                            </p:childTnLst>
-                          </p:cTn>
-                        </p:par>
-                      </p:childTnLst>
-                    </p:cTn>
-                  </p:par>
-                </p:childTnLst>
-              </p:cTn>
-              <p:prevCondLst>
-                <p:cond evt="onPrev" delay="0">
-                  <p:tgtEl>
-                    <p:sldTgt/>
-                  </p:tgtEl>
-                </p:cond>
-              </p:prevCondLst>
-              <p:nextCondLst>
-                <p:cond evt="onNext" delay="0">
-                  <p:tgtEl>
-                    <p:sldTgt/>
-                  </p:tgtEl>
-                </p:cond>
-              </p:nextCondLst>
-            </p:seq>
-          </p:childTnLst>
-        </p:cTn>
+        <p:cTn id="1" dur="indefinite" restart="never" nodeType="tmRoot"/>
       </p:par>
     </p:tnLst>
-    <p:bldLst>
-      <p:bldP spid="75" grpId="0" animBg="1"/>
-      <p:bldP spid="17" grpId="0"/>
-    </p:bldLst>
   </p:timing>
 </p:sld>
 </file>

--- a/doc/day8/A_K_day8.pptx
+++ b/doc/day8/A_K_day8.pptx
@@ -6929,8 +6929,37 @@
           <a:p>
             <a:r>
               <a:rPr lang="en-US" altLang="ja-JP" sz="2400" dirty="0"/>
-              <a:t>Include information about users. (online/offline, room?)</a:t>
-            </a:r>
+              <a:t>Include information about users. </a:t>
+            </a:r>
+            <a:r>
+              <a:rPr lang="en-US" altLang="ja-JP" sz="2400" dirty="0" smtClean="0"/>
+              <a:t>(</a:t>
+            </a:r>
+            <a:r>
+              <a:rPr lang="en-US" altLang="ja-JP" sz="2400" dirty="0" smtClean="0"/>
+              <a:t>User </a:t>
+            </a:r>
+            <a:r>
+              <a:rPr lang="en-US" altLang="ja-JP" sz="2400" dirty="0" err="1" smtClean="0"/>
+              <a:t>Name,R</a:t>
+            </a:r>
+            <a:r>
+              <a:rPr lang="en-US" altLang="ja-JP" sz="2400" dirty="0" err="1" smtClean="0"/>
+              <a:t>oom</a:t>
+            </a:r>
+            <a:r>
+              <a:rPr lang="en-US" altLang="ja-JP" sz="2400" dirty="0" smtClean="0"/>
+              <a:t> </a:t>
+            </a:r>
+            <a:r>
+              <a:rPr lang="en-US" altLang="ja-JP" sz="2400" dirty="0" smtClean="0"/>
+              <a:t>Name</a:t>
+            </a:r>
+            <a:r>
+              <a:rPr lang="en-US" altLang="ja-JP" sz="2400" dirty="0" smtClean="0"/>
+              <a:t>)</a:t>
+            </a:r>
+            <a:endParaRPr lang="en-US" altLang="ja-JP" sz="2400" dirty="0"/>
           </a:p>
           <a:p>
             <a:pPr marL="0" indent="0">
@@ -6942,7 +6971,7 @@
       </p:sp>
       <p:pic>
         <p:nvPicPr>
-          <p:cNvPr id="5" name="図 4"/>
+          <p:cNvPr id="4" name="図 3"/>
           <p:cNvPicPr>
             <a:picLocks noChangeAspect="1"/>
           </p:cNvPicPr>
@@ -6962,8 +6991,8 @@
         </p:blipFill>
         <p:spPr>
           <a:xfrm>
-            <a:off x="4749245" y="2982686"/>
-            <a:ext cx="7165910" cy="3762103"/>
+            <a:off x="5170394" y="3145211"/>
+            <a:ext cx="6477000" cy="3400425"/>
           </a:xfrm>
           <a:prstGeom prst="rect">
             <a:avLst/>
@@ -8623,11 +8652,7 @@
             <a:pPr algn="ctr"/>
             <a:r>
               <a:rPr kumimoji="1" lang="en-US" altLang="ja-JP" sz="2800" dirty="0" smtClean="0"/>
-              <a:t>participant</a:t>
-            </a:r>
-            <a:r>
-              <a:rPr kumimoji="1" lang="en-US" altLang="ja-JP" sz="2800" dirty="0" smtClean="0"/>
-              <a:t>s</a:t>
+              <a:t>participants</a:t>
             </a:r>
             <a:endParaRPr kumimoji="1" lang="ja-JP" altLang="en-US" sz="2800" dirty="0"/>
           </a:p>
